--- a/中期报告/中期汇报-段世凯-v3.0.pptx
+++ b/中期报告/中期汇报-段世凯-v3.0.pptx
@@ -3260,7 +3260,7 @@
           <a:p>
             <a:fld id="{DF5F9D5D-65C7-4B29-B8F1-C8F19B0B530C}" type="datetimeFigureOut">
               <a:rPr lang="zh-CN" altLang="en-US" smtClean="0"/>
-              <a:t>2016/12/27</a:t>
+              <a:t>2017/4/1</a:t>
             </a:fld>
             <a:endParaRPr lang="zh-CN" altLang="en-US"/>
           </a:p>
@@ -7235,7 +7235,7 @@
           <a:p>
             <a:fld id="{BAC876FC-2E35-4016-8A70-33D810966BEA}" type="datetime1">
               <a:rPr lang="zh-CN" altLang="en-US" smtClean="0"/>
-              <a:t>2016/12/27</a:t>
+              <a:t>2017/4/1</a:t>
             </a:fld>
             <a:endParaRPr lang="zh-CN" altLang="en-US"/>
           </a:p>
@@ -9667,7 +9667,7 @@
           <a:p>
             <a:fld id="{3D8148F8-7DF0-4C39-8865-7D6C0322E3B0}" type="datetimeFigureOut">
               <a:rPr lang="zh-CN" altLang="en-US" smtClean="0"/>
-              <a:t>2016/12/27</a:t>
+              <a:t>2017/4/1</a:t>
             </a:fld>
             <a:endParaRPr lang="zh-CN" altLang="en-US"/>
           </a:p>
@@ -9837,7 +9837,7 @@
           <a:p>
             <a:fld id="{3D8148F8-7DF0-4C39-8865-7D6C0322E3B0}" type="datetimeFigureOut">
               <a:rPr lang="zh-CN" altLang="en-US" smtClean="0"/>
-              <a:t>2016/12/27</a:t>
+              <a:t>2017/4/1</a:t>
             </a:fld>
             <a:endParaRPr lang="zh-CN" altLang="en-US"/>
           </a:p>
@@ -10017,7 +10017,7 @@
           <a:p>
             <a:fld id="{3D8148F8-7DF0-4C39-8865-7D6C0322E3B0}" type="datetimeFigureOut">
               <a:rPr lang="zh-CN" altLang="en-US" smtClean="0"/>
-              <a:t>2016/12/27</a:t>
+              <a:t>2017/4/1</a:t>
             </a:fld>
             <a:endParaRPr lang="zh-CN" altLang="en-US"/>
           </a:p>
@@ -10187,7 +10187,7 @@
           <a:p>
             <a:fld id="{3D8148F8-7DF0-4C39-8865-7D6C0322E3B0}" type="datetimeFigureOut">
               <a:rPr lang="zh-CN" altLang="en-US" smtClean="0"/>
-              <a:t>2016/12/27</a:t>
+              <a:t>2017/4/1</a:t>
             </a:fld>
             <a:endParaRPr lang="zh-CN" altLang="en-US"/>
           </a:p>
@@ -10431,7 +10431,7 @@
           <a:p>
             <a:fld id="{3D8148F8-7DF0-4C39-8865-7D6C0322E3B0}" type="datetimeFigureOut">
               <a:rPr lang="zh-CN" altLang="en-US" smtClean="0"/>
-              <a:t>2016/12/27</a:t>
+              <a:t>2017/4/1</a:t>
             </a:fld>
             <a:endParaRPr lang="zh-CN" altLang="en-US"/>
           </a:p>
@@ -10663,7 +10663,7 @@
           <a:p>
             <a:fld id="{3D8148F8-7DF0-4C39-8865-7D6C0322E3B0}" type="datetimeFigureOut">
               <a:rPr lang="zh-CN" altLang="en-US" smtClean="0"/>
-              <a:t>2016/12/27</a:t>
+              <a:t>2017/4/1</a:t>
             </a:fld>
             <a:endParaRPr lang="zh-CN" altLang="en-US"/>
           </a:p>
@@ -11030,7 +11030,7 @@
           <a:p>
             <a:fld id="{3D8148F8-7DF0-4C39-8865-7D6C0322E3B0}" type="datetimeFigureOut">
               <a:rPr lang="zh-CN" altLang="en-US" smtClean="0"/>
-              <a:t>2016/12/27</a:t>
+              <a:t>2017/4/1</a:t>
             </a:fld>
             <a:endParaRPr lang="zh-CN" altLang="en-US"/>
           </a:p>
@@ -11148,7 +11148,7 @@
           <a:p>
             <a:fld id="{3D8148F8-7DF0-4C39-8865-7D6C0322E3B0}" type="datetimeFigureOut">
               <a:rPr lang="zh-CN" altLang="en-US" smtClean="0"/>
-              <a:t>2016/12/27</a:t>
+              <a:t>2017/4/1</a:t>
             </a:fld>
             <a:endParaRPr lang="zh-CN" altLang="en-US"/>
           </a:p>
@@ -11243,7 +11243,7 @@
           <a:p>
             <a:fld id="{3D8148F8-7DF0-4C39-8865-7D6C0322E3B0}" type="datetimeFigureOut">
               <a:rPr lang="zh-CN" altLang="en-US" smtClean="0"/>
-              <a:t>2016/12/27</a:t>
+              <a:t>2017/4/1</a:t>
             </a:fld>
             <a:endParaRPr lang="zh-CN" altLang="en-US"/>
           </a:p>
@@ -11520,7 +11520,7 @@
           <a:p>
             <a:fld id="{3D8148F8-7DF0-4C39-8865-7D6C0322E3B0}" type="datetimeFigureOut">
               <a:rPr lang="zh-CN" altLang="en-US" smtClean="0"/>
-              <a:t>2016/12/27</a:t>
+              <a:t>2017/4/1</a:t>
             </a:fld>
             <a:endParaRPr lang="zh-CN" altLang="en-US"/>
           </a:p>
@@ -11777,7 +11777,7 @@
           <a:p>
             <a:fld id="{3D8148F8-7DF0-4C39-8865-7D6C0322E3B0}" type="datetimeFigureOut">
               <a:rPr lang="zh-CN" altLang="en-US" smtClean="0"/>
-              <a:t>2016/12/27</a:t>
+              <a:t>2017/4/1</a:t>
             </a:fld>
             <a:endParaRPr lang="zh-CN" altLang="en-US"/>
           </a:p>
@@ -11990,7 +11990,7 @@
           <a:p>
             <a:fld id="{3D8148F8-7DF0-4C39-8865-7D6C0322E3B0}" type="datetimeFigureOut">
               <a:rPr lang="zh-CN" altLang="en-US" smtClean="0"/>
-              <a:t>2016/12/27</a:t>
+              <a:t>2017/4/1</a:t>
             </a:fld>
             <a:endParaRPr lang="zh-CN" altLang="en-US"/>
           </a:p>
@@ -12473,11 +12473,11 @@
   <p:clrMapOvr>
     <a:masterClrMapping/>
   </p:clrMapOvr>
-  <mc:AlternateContent xmlns:mc="http://schemas.openxmlformats.org/markup-compatibility/2006">
-    <mc:Choice xmlns:p14="http://schemas.microsoft.com/office/powerpoint/2010/main" Requires="p14">
+  <mc:AlternateContent xmlns:mc="http://schemas.openxmlformats.org/markup-compatibility/2006" xmlns:p14="http://schemas.microsoft.com/office/powerpoint/2010/main">
+    <mc:Choice Requires="p14">
       <p:transition spd="slow" p14:dur="2000" advTm="26190"/>
     </mc:Choice>
-    <mc:Fallback>
+    <mc:Fallback xmlns="">
       <p:transition spd="slow" advTm="26190"/>
     </mc:Fallback>
   </mc:AlternateContent>
@@ -12599,11 +12599,11 @@
   <p:clrMapOvr>
     <a:masterClrMapping/>
   </p:clrMapOvr>
-  <mc:AlternateContent xmlns:mc="http://schemas.openxmlformats.org/markup-compatibility/2006">
-    <mc:Choice xmlns:p14="http://schemas.microsoft.com/office/powerpoint/2010/main" Requires="p14">
+  <mc:AlternateContent xmlns:mc="http://schemas.openxmlformats.org/markup-compatibility/2006" xmlns:p14="http://schemas.microsoft.com/office/powerpoint/2010/main">
+    <mc:Choice Requires="p14">
       <p:transition spd="slow" p14:dur="2000" advTm="42613"/>
     </mc:Choice>
-    <mc:Fallback>
+    <mc:Fallback xmlns="">
       <p:transition spd="slow" advTm="42613"/>
     </mc:Fallback>
   </mc:AlternateContent>
@@ -13864,11 +13864,11 @@
   <p:clrMapOvr>
     <a:masterClrMapping/>
   </p:clrMapOvr>
-  <mc:AlternateContent xmlns:mc="http://schemas.openxmlformats.org/markup-compatibility/2006">
-    <mc:Choice xmlns:p14="http://schemas.microsoft.com/office/powerpoint/2010/main" Requires="p14">
+  <mc:AlternateContent xmlns:mc="http://schemas.openxmlformats.org/markup-compatibility/2006" xmlns:p14="http://schemas.microsoft.com/office/powerpoint/2010/main">
+    <mc:Choice Requires="p14">
       <p:transition spd="slow" p14:dur="2000" advTm="67835"/>
     </mc:Choice>
-    <mc:Fallback>
+    <mc:Fallback xmlns="">
       <p:transition spd="slow" advTm="67835"/>
     </mc:Fallback>
   </mc:AlternateContent>
@@ -15456,11 +15456,11 @@
   <p:clrMapOvr>
     <a:masterClrMapping/>
   </p:clrMapOvr>
-  <mc:AlternateContent xmlns:mc="http://schemas.openxmlformats.org/markup-compatibility/2006">
-    <mc:Choice xmlns:p14="http://schemas.microsoft.com/office/powerpoint/2010/main" Requires="p14">
+  <mc:AlternateContent xmlns:mc="http://schemas.openxmlformats.org/markup-compatibility/2006" xmlns:p14="http://schemas.microsoft.com/office/powerpoint/2010/main">
+    <mc:Choice Requires="p14">
       <p:transition spd="slow" p14:dur="2000" advTm="42371"/>
     </mc:Choice>
-    <mc:Fallback>
+    <mc:Fallback xmlns="">
       <p:transition spd="slow" advTm="42371"/>
     </mc:Fallback>
   </mc:AlternateContent>
@@ -17315,11 +17315,11 @@
   <p:clrMapOvr>
     <a:masterClrMapping/>
   </p:clrMapOvr>
-  <mc:AlternateContent xmlns:mc="http://schemas.openxmlformats.org/markup-compatibility/2006">
-    <mc:Choice xmlns:p14="http://schemas.microsoft.com/office/powerpoint/2010/main" Requires="p14">
+  <mc:AlternateContent xmlns:mc="http://schemas.openxmlformats.org/markup-compatibility/2006" xmlns:p14="http://schemas.microsoft.com/office/powerpoint/2010/main">
+    <mc:Choice Requires="p14">
       <p:transition spd="slow" p14:dur="2000" advTm="15223"/>
     </mc:Choice>
-    <mc:Fallback>
+    <mc:Fallback xmlns="">
       <p:transition spd="slow" advTm="15223"/>
     </mc:Fallback>
   </mc:AlternateContent>
@@ -19080,11 +19080,11 @@
   <p:clrMapOvr>
     <a:masterClrMapping/>
   </p:clrMapOvr>
-  <mc:AlternateContent xmlns:mc="http://schemas.openxmlformats.org/markup-compatibility/2006">
-    <mc:Choice xmlns:p14="http://schemas.microsoft.com/office/powerpoint/2010/main" Requires="p14">
+  <mc:AlternateContent xmlns:mc="http://schemas.openxmlformats.org/markup-compatibility/2006" xmlns:p14="http://schemas.microsoft.com/office/powerpoint/2010/main">
+    <mc:Choice Requires="p14">
       <p:transition spd="slow" p14:dur="2000" advTm="6196"/>
     </mc:Choice>
-    <mc:Fallback>
+    <mc:Fallback xmlns="">
       <p:transition spd="slow" advTm="6196"/>
     </mc:Fallback>
   </mc:AlternateContent>
@@ -19597,11 +19597,41 @@
                 <a:tableStyleId>{5C22544A-7EE6-4342-B048-85BDC9FD1C3A}</a:tableStyleId>
               </a:tblPr>
               <a:tblGrid>
-                <a:gridCol w="1469558"/>
-                <a:gridCol w="1769201"/>
-                <a:gridCol w="1687804"/>
-                <a:gridCol w="1809448"/>
-                <a:gridCol w="1566160"/>
+                <a:gridCol w="1469558">
+                  <a:extLst>
+                    <a:ext uri="{9D8B030D-6E8A-4147-A177-3AD203B41FA5}">
+                      <a16:colId xmlns:a16="http://schemas.microsoft.com/office/drawing/2014/main" val="20000"/>
+                    </a:ext>
+                  </a:extLst>
+                </a:gridCol>
+                <a:gridCol w="1769201">
+                  <a:extLst>
+                    <a:ext uri="{9D8B030D-6E8A-4147-A177-3AD203B41FA5}">
+                      <a16:colId xmlns:a16="http://schemas.microsoft.com/office/drawing/2014/main" val="20001"/>
+                    </a:ext>
+                  </a:extLst>
+                </a:gridCol>
+                <a:gridCol w="1687804">
+                  <a:extLst>
+                    <a:ext uri="{9D8B030D-6E8A-4147-A177-3AD203B41FA5}">
+                      <a16:colId xmlns:a16="http://schemas.microsoft.com/office/drawing/2014/main" val="20002"/>
+                    </a:ext>
+                  </a:extLst>
+                </a:gridCol>
+                <a:gridCol w="1809448">
+                  <a:extLst>
+                    <a:ext uri="{9D8B030D-6E8A-4147-A177-3AD203B41FA5}">
+                      <a16:colId xmlns:a16="http://schemas.microsoft.com/office/drawing/2014/main" val="20003"/>
+                    </a:ext>
+                  </a:extLst>
+                </a:gridCol>
+                <a:gridCol w="1566160">
+                  <a:extLst>
+                    <a:ext uri="{9D8B030D-6E8A-4147-A177-3AD203B41FA5}">
+                      <a16:colId xmlns:a16="http://schemas.microsoft.com/office/drawing/2014/main" val="20004"/>
+                    </a:ext>
+                  </a:extLst>
+                </a:gridCol>
               </a:tblGrid>
               <a:tr h="699609">
                 <a:tc>
@@ -19670,6 +19700,11 @@
                   </a:txBody>
                   <a:tcPr/>
                 </a:tc>
+                <a:extLst>
+                  <a:ext uri="{0D108BD9-81ED-4DB2-BD59-A6C34878D82A}">
+                    <a16:rowId xmlns:a16="http://schemas.microsoft.com/office/drawing/2014/main" val="10000"/>
+                  </a:ext>
+                </a:extLst>
               </a:tr>
               <a:tr h="999441">
                 <a:tc>
@@ -19742,6 +19777,11 @@
                   </a:txBody>
                   <a:tcPr/>
                 </a:tc>
+                <a:extLst>
+                  <a:ext uri="{0D108BD9-81ED-4DB2-BD59-A6C34878D82A}">
+                    <a16:rowId xmlns:a16="http://schemas.microsoft.com/office/drawing/2014/main" val="10001"/>
+                  </a:ext>
+                </a:extLst>
               </a:tr>
               <a:tr h="999441">
                 <a:tc>
@@ -19814,6 +19854,11 @@
                   </a:txBody>
                   <a:tcPr/>
                 </a:tc>
+                <a:extLst>
+                  <a:ext uri="{0D108BD9-81ED-4DB2-BD59-A6C34878D82A}">
+                    <a16:rowId xmlns:a16="http://schemas.microsoft.com/office/drawing/2014/main" val="10002"/>
+                  </a:ext>
+                </a:extLst>
               </a:tr>
               <a:tr h="999441">
                 <a:tc>
@@ -19902,6 +19947,11 @@
                   </a:txBody>
                   <a:tcPr/>
                 </a:tc>
+                <a:extLst>
+                  <a:ext uri="{0D108BD9-81ED-4DB2-BD59-A6C34878D82A}">
+                    <a16:rowId xmlns:a16="http://schemas.microsoft.com/office/drawing/2014/main" val="10003"/>
+                  </a:ext>
+                </a:extLst>
               </a:tr>
             </a:tbl>
           </a:graphicData>
@@ -19917,11 +19967,11 @@
   <p:clrMapOvr>
     <a:masterClrMapping/>
   </p:clrMapOvr>
-  <mc:AlternateContent xmlns:mc="http://schemas.openxmlformats.org/markup-compatibility/2006">
-    <mc:Choice xmlns:p14="http://schemas.microsoft.com/office/powerpoint/2010/main" Requires="p14">
+  <mc:AlternateContent xmlns:mc="http://schemas.openxmlformats.org/markup-compatibility/2006" xmlns:p14="http://schemas.microsoft.com/office/powerpoint/2010/main">
+    <mc:Choice Requires="p14">
       <p:transition spd="slow" p14:dur="2000" advTm="32321"/>
     </mc:Choice>
-    <mc:Fallback>
+    <mc:Fallback xmlns="">
       <p:transition spd="slow" advTm="32321"/>
     </mc:Fallback>
   </mc:AlternateContent>
@@ -20667,12 +20717,12 @@
           <a:graphicData uri="http://schemas.openxmlformats.org/presentationml/2006/ole">
             <mc:AlternateContent xmlns:mc="http://schemas.openxmlformats.org/markup-compatibility/2006">
               <mc:Choice xmlns:v="urn:schemas-microsoft-com:vml" Requires="v">
-                <p:oleObj spid="_x0000_s7185" name="Visio" r:id="rId5" imgW="10307769" imgH="4213807" progId="Visio.Drawing.15">
+                <p:oleObj spid="_x0000_s7186" name="Visio" r:id="rId4" imgW="10307769" imgH="4213807" progId="Visio.Drawing.15">
                   <p:embed/>
                 </p:oleObj>
               </mc:Choice>
               <mc:Fallback>
-                <p:oleObj name="Visio" r:id="rId5" imgW="10307769" imgH="4213807" progId="Visio.Drawing.15">
+                <p:oleObj name="Visio" r:id="rId4" imgW="10307769" imgH="4213807" progId="Visio.Drawing.15">
                   <p:embed/>
                   <p:pic>
                     <p:nvPicPr>
@@ -20683,7 +20733,7 @@
                       <p:nvPr/>
                     </p:nvPicPr>
                     <p:blipFill>
-                      <a:blip r:embed="rId6">
+                      <a:blip r:embed="rId5">
                         <a:extLst>
                           <a:ext uri="{28A0092B-C50C-407E-A947-70E740481C1C}">
                             <a14:useLocalDpi xmlns:a14="http://schemas.microsoft.com/office/drawing/2010/main" val="0"/>
@@ -20782,11 +20832,11 @@
   <p:clrMapOvr>
     <a:masterClrMapping/>
   </p:clrMapOvr>
-  <mc:AlternateContent xmlns:mc="http://schemas.openxmlformats.org/markup-compatibility/2006">
-    <mc:Choice xmlns:p14="http://schemas.microsoft.com/office/powerpoint/2010/main" Requires="p14">
+  <mc:AlternateContent xmlns:mc="http://schemas.openxmlformats.org/markup-compatibility/2006" xmlns:p14="http://schemas.microsoft.com/office/powerpoint/2010/main">
+    <mc:Choice Requires="p14">
       <p:transition spd="slow" p14:dur="2000" advTm="29709"/>
     </mc:Choice>
-    <mc:Fallback>
+    <mc:Fallback xmlns="">
       <p:transition spd="slow" advTm="29709"/>
     </mc:Fallback>
   </mc:AlternateContent>
@@ -20905,12 +20955,12 @@
           <a:graphicData uri="http://schemas.openxmlformats.org/presentationml/2006/ole">
             <mc:AlternateContent xmlns:mc="http://schemas.openxmlformats.org/markup-compatibility/2006">
               <mc:Choice xmlns:v="urn:schemas-microsoft-com:vml" Requires="v">
-                <p:oleObj spid="_x0000_s3297" name="Visio" r:id="rId5" imgW="12467620" imgH="4329842" progId="Visio.Drawing.15">
+                <p:oleObj spid="_x0000_s3298" name="Visio" r:id="rId4" imgW="12467620" imgH="4329842" progId="Visio.Drawing.15">
                   <p:embed/>
                 </p:oleObj>
               </mc:Choice>
               <mc:Fallback>
-                <p:oleObj name="Visio" r:id="rId5" imgW="12467620" imgH="4329842" progId="Visio.Drawing.15">
+                <p:oleObj name="Visio" r:id="rId4" imgW="12467620" imgH="4329842" progId="Visio.Drawing.15">
                   <p:embed/>
                   <p:pic>
                     <p:nvPicPr>
@@ -20921,7 +20971,7 @@
                       <p:nvPr/>
                     </p:nvPicPr>
                     <p:blipFill>
-                      <a:blip r:embed="rId6"/>
+                      <a:blip r:embed="rId5"/>
                       <a:srcRect/>
                       <a:stretch>
                         <a:fillRect/>
@@ -21348,11 +21398,11 @@
   <p:clrMapOvr>
     <a:masterClrMapping/>
   </p:clrMapOvr>
-  <mc:AlternateContent xmlns:mc="http://schemas.openxmlformats.org/markup-compatibility/2006">
-    <mc:Choice xmlns:p14="http://schemas.microsoft.com/office/powerpoint/2010/main" Requires="p14">
+  <mc:AlternateContent xmlns:mc="http://schemas.openxmlformats.org/markup-compatibility/2006" xmlns:p14="http://schemas.microsoft.com/office/powerpoint/2010/main">
+    <mc:Choice Requires="p14">
       <p:transition spd="slow" p14:dur="2000" advTm="40933"/>
     </mc:Choice>
-    <mc:Fallback>
+    <mc:Fallback xmlns="">
       <p:transition spd="slow" advTm="40933"/>
     </mc:Fallback>
   </mc:AlternateContent>
@@ -22526,11 +22576,11 @@
   <p:clrMapOvr>
     <a:masterClrMapping/>
   </p:clrMapOvr>
-  <mc:AlternateContent xmlns:mc="http://schemas.openxmlformats.org/markup-compatibility/2006">
-    <mc:Choice xmlns:p14="http://schemas.microsoft.com/office/powerpoint/2010/main" Requires="p14">
+  <mc:AlternateContent xmlns:mc="http://schemas.openxmlformats.org/markup-compatibility/2006" xmlns:p14="http://schemas.microsoft.com/office/powerpoint/2010/main">
+    <mc:Choice Requires="p14">
       <p:transition spd="slow" p14:dur="2000" advTm="2420"/>
     </mc:Choice>
-    <mc:Fallback>
+    <mc:Fallback xmlns="">
       <p:transition spd="slow" advTm="2420"/>
     </mc:Fallback>
   </mc:AlternateContent>
@@ -22656,11 +22706,11 @@
   <p:clrMapOvr>
     <a:masterClrMapping/>
   </p:clrMapOvr>
-  <mc:AlternateContent xmlns:mc="http://schemas.openxmlformats.org/markup-compatibility/2006">
-    <mc:Choice xmlns:p14="http://schemas.microsoft.com/office/powerpoint/2010/main" Requires="p14">
+  <mc:AlternateContent xmlns:mc="http://schemas.openxmlformats.org/markup-compatibility/2006" xmlns:p14="http://schemas.microsoft.com/office/powerpoint/2010/main">
+    <mc:Choice Requires="p14">
       <p:transition spd="slow" p14:dur="2000" advTm="3080"/>
     </mc:Choice>
-    <mc:Fallback>
+    <mc:Fallback xmlns="">
       <p:transition spd="slow" advTm="3080"/>
     </mc:Fallback>
   </mc:AlternateContent>
@@ -23100,11 +23150,11 @@
   <p:clrMapOvr>
     <a:masterClrMapping/>
   </p:clrMapOvr>
-  <mc:AlternateContent xmlns:mc="http://schemas.openxmlformats.org/markup-compatibility/2006">
-    <mc:Choice xmlns:p14="http://schemas.microsoft.com/office/powerpoint/2010/main" Requires="p14">
+  <mc:AlternateContent xmlns:mc="http://schemas.openxmlformats.org/markup-compatibility/2006" xmlns:p14="http://schemas.microsoft.com/office/powerpoint/2010/main">
+    <mc:Choice Requires="p14">
       <p:transition spd="slow" p14:dur="2000" advTm="855"/>
     </mc:Choice>
-    <mc:Fallback>
+    <mc:Fallback xmlns="">
       <p:transition spd="slow" advTm="855"/>
     </mc:Fallback>
   </mc:AlternateContent>
@@ -23486,11 +23536,11 @@
   <p:clrMapOvr>
     <a:masterClrMapping/>
   </p:clrMapOvr>
-  <mc:AlternateContent xmlns:mc="http://schemas.openxmlformats.org/markup-compatibility/2006">
-    <mc:Choice xmlns:p14="http://schemas.microsoft.com/office/powerpoint/2010/main" Requires="p14">
+  <mc:AlternateContent xmlns:mc="http://schemas.openxmlformats.org/markup-compatibility/2006" xmlns:p14="http://schemas.microsoft.com/office/powerpoint/2010/main">
+    <mc:Choice Requires="p14">
       <p:transition spd="slow" p14:dur="2000" advTm="68166"/>
     </mc:Choice>
-    <mc:Fallback>
+    <mc:Fallback xmlns="">
       <p:transition spd="slow" advTm="68166"/>
     </mc:Fallback>
   </mc:AlternateContent>
@@ -24611,11 +24661,11 @@
   <p:clrMapOvr>
     <a:masterClrMapping/>
   </p:clrMapOvr>
-  <mc:AlternateContent xmlns:mc="http://schemas.openxmlformats.org/markup-compatibility/2006">
-    <mc:Choice xmlns:p14="http://schemas.microsoft.com/office/powerpoint/2010/main" Requires="p14">
+  <mc:AlternateContent xmlns:mc="http://schemas.openxmlformats.org/markup-compatibility/2006" xmlns:p14="http://schemas.microsoft.com/office/powerpoint/2010/main">
+    <mc:Choice Requires="p14">
       <p:transition spd="slow" p14:dur="2000" advTm="82024"/>
     </mc:Choice>
-    <mc:Fallback>
+    <mc:Fallback xmlns="">
       <p:transition spd="slow" advTm="82024"/>
     </mc:Fallback>
   </mc:AlternateContent>
@@ -25117,11 +25167,11 @@
   <p:clrMapOvr>
     <a:masterClrMapping/>
   </p:clrMapOvr>
-  <mc:AlternateContent xmlns:mc="http://schemas.openxmlformats.org/markup-compatibility/2006">
-    <mc:Choice xmlns:p14="http://schemas.microsoft.com/office/powerpoint/2010/main" Requires="p14">
+  <mc:AlternateContent xmlns:mc="http://schemas.openxmlformats.org/markup-compatibility/2006" xmlns:p14="http://schemas.microsoft.com/office/powerpoint/2010/main">
+    <mc:Choice Requires="p14">
       <p:transition spd="slow" p14:dur="2000" advTm="12310"/>
     </mc:Choice>
-    <mc:Fallback>
+    <mc:Fallback xmlns="">
       <p:transition spd="slow" advTm="12310"/>
     </mc:Fallback>
   </mc:AlternateContent>
@@ -25453,11 +25503,11 @@
   <p:clrMapOvr>
     <a:masterClrMapping/>
   </p:clrMapOvr>
-  <mc:AlternateContent xmlns:mc="http://schemas.openxmlformats.org/markup-compatibility/2006">
-    <mc:Choice xmlns:p14="http://schemas.microsoft.com/office/powerpoint/2010/main" Requires="p14">
+  <mc:AlternateContent xmlns:mc="http://schemas.openxmlformats.org/markup-compatibility/2006" xmlns:p14="http://schemas.microsoft.com/office/powerpoint/2010/main">
+    <mc:Choice Requires="p14">
       <p:transition spd="slow" p14:dur="2000" advTm="14871"/>
     </mc:Choice>
-    <mc:Fallback>
+    <mc:Fallback xmlns="">
       <p:transition spd="slow" advTm="14871"/>
     </mc:Fallback>
   </mc:AlternateContent>
@@ -25767,11 +25817,11 @@
   <p:clrMapOvr>
     <a:masterClrMapping/>
   </p:clrMapOvr>
-  <mc:AlternateContent xmlns:mc="http://schemas.openxmlformats.org/markup-compatibility/2006">
-    <mc:Choice xmlns:p14="http://schemas.microsoft.com/office/powerpoint/2010/main" Requires="p14">
+  <mc:AlternateContent xmlns:mc="http://schemas.openxmlformats.org/markup-compatibility/2006" xmlns:p14="http://schemas.microsoft.com/office/powerpoint/2010/main">
+    <mc:Choice Requires="p14">
       <p:transition spd="slow" p14:dur="2000" advTm="23684"/>
     </mc:Choice>
-    <mc:Fallback>
+    <mc:Fallback xmlns="">
       <p:transition spd="slow" advTm="23684"/>
     </mc:Fallback>
   </mc:AlternateContent>
@@ -26377,11 +26427,11 @@
   <p:clrMapOvr>
     <a:masterClrMapping/>
   </p:clrMapOvr>
-  <mc:AlternateContent xmlns:mc="http://schemas.openxmlformats.org/markup-compatibility/2006">
-    <mc:Choice xmlns:p14="http://schemas.microsoft.com/office/powerpoint/2010/main" Requires="p14">
+  <mc:AlternateContent xmlns:mc="http://schemas.openxmlformats.org/markup-compatibility/2006" xmlns:p14="http://schemas.microsoft.com/office/powerpoint/2010/main">
+    <mc:Choice Requires="p14">
       <p:transition spd="slow" p14:dur="2000" advTm="8508"/>
     </mc:Choice>
-    <mc:Fallback>
+    <mc:Fallback xmlns="">
       <p:transition spd="slow" advTm="8508"/>
     </mc:Fallback>
   </mc:AlternateContent>
@@ -26601,11 +26651,11 @@
   <p:clrMapOvr>
     <a:masterClrMapping/>
   </p:clrMapOvr>
-  <mc:AlternateContent xmlns:mc="http://schemas.openxmlformats.org/markup-compatibility/2006">
-    <mc:Choice xmlns:p14="http://schemas.microsoft.com/office/powerpoint/2010/main" Requires="p14">
+  <mc:AlternateContent xmlns:mc="http://schemas.openxmlformats.org/markup-compatibility/2006" xmlns:p14="http://schemas.microsoft.com/office/powerpoint/2010/main">
+    <mc:Choice Requires="p14">
       <p:transition spd="slow" p14:dur="2000" advTm="48900"/>
     </mc:Choice>
-    <mc:Fallback>
+    <mc:Fallback xmlns="">
       <p:transition spd="slow" advTm="48900"/>
     </mc:Fallback>
   </mc:AlternateContent>
@@ -26912,11 +26962,11 @@
   <p:clrMapOvr>
     <a:masterClrMapping/>
   </p:clrMapOvr>
-  <mc:AlternateContent xmlns:mc="http://schemas.openxmlformats.org/markup-compatibility/2006">
-    <mc:Choice xmlns:p14="http://schemas.microsoft.com/office/powerpoint/2010/main" Requires="p14">
+  <mc:AlternateContent xmlns:mc="http://schemas.openxmlformats.org/markup-compatibility/2006" xmlns:p14="http://schemas.microsoft.com/office/powerpoint/2010/main">
+    <mc:Choice Requires="p14">
       <p:transition spd="slow" p14:dur="2000" advTm="37173"/>
     </mc:Choice>
-    <mc:Fallback>
+    <mc:Fallback xmlns="">
       <p:transition spd="slow" advTm="37173"/>
     </mc:Fallback>
   </mc:AlternateContent>
@@ -27135,11 +27185,11 @@
   <p:clrMapOvr>
     <a:masterClrMapping/>
   </p:clrMapOvr>
-  <mc:AlternateContent xmlns:mc="http://schemas.openxmlformats.org/markup-compatibility/2006">
-    <mc:Choice xmlns:p14="http://schemas.microsoft.com/office/powerpoint/2010/main" Requires="p14">
+  <mc:AlternateContent xmlns:mc="http://schemas.openxmlformats.org/markup-compatibility/2006" xmlns:p14="http://schemas.microsoft.com/office/powerpoint/2010/main">
+    <mc:Choice Requires="p14">
       <p:transition spd="slow" p14:dur="2000" advTm="46816"/>
     </mc:Choice>
-    <mc:Fallback>
+    <mc:Fallback xmlns="">
       <p:transition spd="slow" advTm="46816"/>
     </mc:Fallback>
   </mc:AlternateContent>
@@ -27971,8 +28021,8 @@
             <a:p>
               <a:pPr algn="ctr"/>
               <a:r>
-                <a:rPr lang="en-US" altLang="zh-CN" sz="1350" dirty="0" err="1" smtClean="0"/>
-                <a:t>GASModel</a:t>
+                <a:rPr lang="en-US" altLang="zh-CN" sz="1350" dirty="0" smtClean="0"/>
+                <a:t>GAS Model</a:t>
               </a:r>
               <a:endParaRPr lang="zh-CN" altLang="en-US" sz="1350" dirty="0"/>
             </a:p>
@@ -28979,11 +29029,11 @@
   <p:clrMapOvr>
     <a:masterClrMapping/>
   </p:clrMapOvr>
-  <mc:AlternateContent xmlns:mc="http://schemas.openxmlformats.org/markup-compatibility/2006">
-    <mc:Choice xmlns:p14="http://schemas.microsoft.com/office/powerpoint/2010/main" Requires="p14">
+  <mc:AlternateContent xmlns:mc="http://schemas.openxmlformats.org/markup-compatibility/2006" xmlns:p14="http://schemas.microsoft.com/office/powerpoint/2010/main">
+    <mc:Choice Requires="p14">
       <p:transition spd="slow" p14:dur="2000" advTm="125186"/>
     </mc:Choice>
-    <mc:Fallback>
+    <mc:Fallback xmlns="">
       <p:transition spd="slow" advTm="125186"/>
     </mc:Fallback>
   </mc:AlternateContent>
@@ -29121,12 +29171,12 @@
             <a:graphicData uri="http://schemas.openxmlformats.org/presentationml/2006/ole">
               <mc:AlternateContent xmlns:mc="http://schemas.openxmlformats.org/markup-compatibility/2006">
                 <mc:Choice xmlns:v="urn:schemas-microsoft-com:vml" Requires="v">
-                  <p:oleObj spid="_x0000_s5516" name="Visio" r:id="rId5" imgW="5249789" imgH="5698709" progId="Visio.Drawing.15">
+                  <p:oleObj spid="_x0000_s5518" name="Visio" r:id="rId4" imgW="5249789" imgH="5698709" progId="Visio.Drawing.15">
                     <p:embed/>
                   </p:oleObj>
                 </mc:Choice>
                 <mc:Fallback>
-                  <p:oleObj name="Visio" r:id="rId5" imgW="5249789" imgH="5698709" progId="Visio.Drawing.15">
+                  <p:oleObj name="Visio" r:id="rId4" imgW="5249789" imgH="5698709" progId="Visio.Drawing.15">
                     <p:embed/>
                     <p:pic>
                       <p:nvPicPr>
@@ -29137,7 +29187,7 @@
                         <p:nvPr/>
                       </p:nvPicPr>
                       <p:blipFill>
-                        <a:blip r:embed="rId6">
+                        <a:blip r:embed="rId5">
                           <a:extLst>
                             <a:ext uri="{28A0092B-C50C-407E-A947-70E740481C1C}">
                               <a14:useLocalDpi xmlns:a14="http://schemas.microsoft.com/office/drawing/2010/main" val="0"/>
@@ -29241,12 +29291,12 @@
             <a:graphicData uri="http://schemas.openxmlformats.org/presentationml/2006/ole">
               <mc:AlternateContent xmlns:mc="http://schemas.openxmlformats.org/markup-compatibility/2006">
                 <mc:Choice xmlns:v="urn:schemas-microsoft-com:vml" Requires="v">
-                  <p:oleObj spid="_x0000_s5517" name="Visio" r:id="rId8" imgW="5251048" imgH="5158477" progId="Visio.Drawing.15">
+                  <p:oleObj spid="_x0000_s5519" name="Visio" r:id="rId6" imgW="5251048" imgH="5158477" progId="Visio.Drawing.15">
                     <p:embed/>
                   </p:oleObj>
                 </mc:Choice>
                 <mc:Fallback>
-                  <p:oleObj name="Visio" r:id="rId8" imgW="5251048" imgH="5158477" progId="Visio.Drawing.15">
+                  <p:oleObj name="Visio" r:id="rId6" imgW="5251048" imgH="5158477" progId="Visio.Drawing.15">
                     <p:embed/>
                     <p:pic>
                       <p:nvPicPr>
@@ -29257,7 +29307,7 @@
                         <p:nvPr/>
                       </p:nvPicPr>
                       <p:blipFill>
-                        <a:blip r:embed="rId9">
+                        <a:blip r:embed="rId7">
                           <a:extLst>
                             <a:ext uri="{28A0092B-C50C-407E-A947-70E740481C1C}">
                               <a14:useLocalDpi xmlns:a14="http://schemas.microsoft.com/office/drawing/2010/main" val="0"/>
@@ -29427,11 +29477,11 @@
   <p:clrMapOvr>
     <a:masterClrMapping/>
   </p:clrMapOvr>
-  <mc:AlternateContent xmlns:mc="http://schemas.openxmlformats.org/markup-compatibility/2006">
-    <mc:Choice xmlns:p14="http://schemas.microsoft.com/office/powerpoint/2010/main" Requires="p14">
+  <mc:AlternateContent xmlns:mc="http://schemas.openxmlformats.org/markup-compatibility/2006" xmlns:p14="http://schemas.microsoft.com/office/powerpoint/2010/main">
+    <mc:Choice Requires="p14">
       <p:transition spd="slow" p14:dur="2000" advTm="8393"/>
     </mc:Choice>
-    <mc:Fallback>
+    <mc:Fallback xmlns="">
       <p:transition spd="slow" advTm="8393"/>
     </mc:Fallback>
   </mc:AlternateContent>
@@ -30883,11 +30933,11 @@
   <p:clrMapOvr>
     <a:masterClrMapping/>
   </p:clrMapOvr>
-  <mc:AlternateContent xmlns:mc="http://schemas.openxmlformats.org/markup-compatibility/2006">
-    <mc:Choice xmlns:p14="http://schemas.microsoft.com/office/powerpoint/2010/main" Requires="p14">
+  <mc:AlternateContent xmlns:mc="http://schemas.openxmlformats.org/markup-compatibility/2006" xmlns:p14="http://schemas.microsoft.com/office/powerpoint/2010/main">
+    <mc:Choice Requires="p14">
       <p:transition spd="slow" p14:dur="2000" advTm="99564"/>
     </mc:Choice>
-    <mc:Fallback>
+    <mc:Fallback xmlns="">
       <p:transition spd="slow" advTm="99564"/>
     </mc:Fallback>
   </mc:AlternateContent>
@@ -31419,12 +31469,12 @@
           <a:graphicData uri="http://schemas.openxmlformats.org/presentationml/2006/ole">
             <mc:AlternateContent xmlns:mc="http://schemas.openxmlformats.org/markup-compatibility/2006">
               <mc:Choice xmlns:v="urn:schemas-microsoft-com:vml" Requires="v">
-                <p:oleObj spid="_x0000_s6533" name="Visio" r:id="rId4" imgW="4434284" imgH="2754131" progId="Visio.Drawing.15">
+                <p:oleObj spid="_x0000_s6535" name="Visio" r:id="rId3" imgW="4434284" imgH="2754131" progId="Visio.Drawing.15">
                   <p:embed/>
                 </p:oleObj>
               </mc:Choice>
               <mc:Fallback>
-                <p:oleObj name="Visio" r:id="rId4" imgW="4434284" imgH="2754131" progId="Visio.Drawing.15">
+                <p:oleObj name="Visio" r:id="rId3" imgW="4434284" imgH="2754131" progId="Visio.Drawing.15">
                   <p:embed/>
                   <p:pic>
                     <p:nvPicPr>
@@ -31435,7 +31485,7 @@
                       <p:nvPr/>
                     </p:nvPicPr>
                     <p:blipFill>
-                      <a:blip r:embed="rId5">
+                      <a:blip r:embed="rId4">
                         <a:extLst>
                           <a:ext uri="{28A0092B-C50C-407E-A947-70E740481C1C}">
                             <a14:useLocalDpi xmlns:a14="http://schemas.microsoft.com/office/drawing/2010/main" val="0"/>
@@ -31486,12 +31536,12 @@
           <a:graphicData uri="http://schemas.openxmlformats.org/presentationml/2006/ole">
             <mc:AlternateContent xmlns:mc="http://schemas.openxmlformats.org/markup-compatibility/2006">
               <mc:Choice xmlns:v="urn:schemas-microsoft-com:vml" Requires="v">
-                <p:oleObj spid="_x0000_s6534" name="Visio" r:id="rId7" imgW="4554322" imgH="2754131" progId="Visio.Drawing.15">
+                <p:oleObj spid="_x0000_s6536" name="Visio" r:id="rId5" imgW="4554322" imgH="2754131" progId="Visio.Drawing.15">
                   <p:embed/>
                 </p:oleObj>
               </mc:Choice>
               <mc:Fallback>
-                <p:oleObj name="Visio" r:id="rId7" imgW="4554322" imgH="2754131" progId="Visio.Drawing.15">
+                <p:oleObj name="Visio" r:id="rId5" imgW="4554322" imgH="2754131" progId="Visio.Drawing.15">
                   <p:embed/>
                   <p:pic>
                     <p:nvPicPr>
@@ -31502,7 +31552,7 @@
                       <p:nvPr/>
                     </p:nvPicPr>
                     <p:blipFill>
-                      <a:blip r:embed="rId8">
+                      <a:blip r:embed="rId6">
                         <a:extLst>
                           <a:ext uri="{28A0092B-C50C-407E-A947-70E740481C1C}">
                             <a14:useLocalDpi xmlns:a14="http://schemas.microsoft.com/office/drawing/2010/main" val="0"/>
@@ -31858,11 +31908,11 @@
   <p:clrMapOvr>
     <a:masterClrMapping/>
   </p:clrMapOvr>
-  <mc:AlternateContent xmlns:mc="http://schemas.openxmlformats.org/markup-compatibility/2006">
-    <mc:Choice xmlns:p14="http://schemas.microsoft.com/office/powerpoint/2010/main" Requires="p14">
+  <mc:AlternateContent xmlns:mc="http://schemas.openxmlformats.org/markup-compatibility/2006" xmlns:p14="http://schemas.microsoft.com/office/powerpoint/2010/main">
+    <mc:Choice Requires="p14">
       <p:transition spd="slow" p14:dur="2000" advTm="1181"/>
     </mc:Choice>
-    <mc:Fallback>
+    <mc:Fallback xmlns="">
       <p:transition spd="slow" advTm="1181"/>
     </mc:Fallback>
   </mc:AlternateContent>
@@ -33227,11 +33277,11 @@
   <p:clrMapOvr>
     <a:masterClrMapping/>
   </p:clrMapOvr>
-  <mc:AlternateContent xmlns:mc="http://schemas.openxmlformats.org/markup-compatibility/2006">
-    <mc:Choice xmlns:p14="http://schemas.microsoft.com/office/powerpoint/2010/main" Requires="p14">
+  <mc:AlternateContent xmlns:mc="http://schemas.openxmlformats.org/markup-compatibility/2006" xmlns:p14="http://schemas.microsoft.com/office/powerpoint/2010/main">
+    <mc:Choice Requires="p14">
       <p:transition spd="slow" p14:dur="2000" advTm="331"/>
     </mc:Choice>
-    <mc:Fallback>
+    <mc:Fallback xmlns="">
       <p:transition spd="slow" advTm="331"/>
     </mc:Fallback>
   </mc:AlternateContent>
@@ -33393,11 +33443,11 @@
   <p:clrMapOvr>
     <a:masterClrMapping/>
   </p:clrMapOvr>
-  <mc:AlternateContent xmlns:mc="http://schemas.openxmlformats.org/markup-compatibility/2006">
-    <mc:Choice xmlns:p14="http://schemas.microsoft.com/office/powerpoint/2010/main" Requires="p14">
+  <mc:AlternateContent xmlns:mc="http://schemas.openxmlformats.org/markup-compatibility/2006" xmlns:p14="http://schemas.microsoft.com/office/powerpoint/2010/main">
+    <mc:Choice Requires="p14">
       <p:transition spd="slow" p14:dur="2000" advTm="64641"/>
     </mc:Choice>
-    <mc:Fallback>
+    <mc:Fallback xmlns="">
       <p:transition spd="slow" advTm="64641"/>
     </mc:Fallback>
   </mc:AlternateContent>
@@ -34049,11 +34099,11 @@
   <p:clrMapOvr>
     <a:masterClrMapping/>
   </p:clrMapOvr>
-  <mc:AlternateContent xmlns:mc="http://schemas.openxmlformats.org/markup-compatibility/2006">
-    <mc:Choice xmlns:p14="http://schemas.microsoft.com/office/powerpoint/2010/main" Requires="p14">
+  <mc:AlternateContent xmlns:mc="http://schemas.openxmlformats.org/markup-compatibility/2006" xmlns:p14="http://schemas.microsoft.com/office/powerpoint/2010/main">
+    <mc:Choice Requires="p14">
       <p:transition spd="slow" p14:dur="2000" advTm="3944"/>
     </mc:Choice>
-    <mc:Fallback>
+    <mc:Fallback xmlns="">
       <p:transition spd="slow" advTm="3944"/>
     </mc:Fallback>
   </mc:AlternateContent>
@@ -34814,11 +34864,11 @@
   <p:clrMapOvr>
     <a:masterClrMapping/>
   </p:clrMapOvr>
-  <mc:AlternateContent xmlns:mc="http://schemas.openxmlformats.org/markup-compatibility/2006">
-    <mc:Choice xmlns:p14="http://schemas.microsoft.com/office/powerpoint/2010/main" Requires="p14">
+  <mc:AlternateContent xmlns:mc="http://schemas.openxmlformats.org/markup-compatibility/2006" xmlns:p14="http://schemas.microsoft.com/office/powerpoint/2010/main">
+    <mc:Choice Requires="p14">
       <p:transition spd="slow" p14:dur="2000" advTm="5006"/>
     </mc:Choice>
-    <mc:Fallback>
+    <mc:Fallback xmlns="">
       <p:transition spd="slow" advTm="5006"/>
     </mc:Fallback>
   </mc:AlternateContent>
@@ -35149,11 +35199,11 @@
   <p:clrMapOvr>
     <a:masterClrMapping/>
   </p:clrMapOvr>
-  <mc:AlternateContent xmlns:mc="http://schemas.openxmlformats.org/markup-compatibility/2006">
-    <mc:Choice xmlns:p14="http://schemas.microsoft.com/office/powerpoint/2010/main" Requires="p14">
+  <mc:AlternateContent xmlns:mc="http://schemas.openxmlformats.org/markup-compatibility/2006" xmlns:p14="http://schemas.microsoft.com/office/powerpoint/2010/main">
+    <mc:Choice Requires="p14">
       <p:transition spd="slow" p14:dur="2000" advTm="44929"/>
     </mc:Choice>
-    <mc:Fallback>
+    <mc:Fallback xmlns="">
       <p:transition spd="slow" advTm="44929"/>
     </mc:Fallback>
   </mc:AlternateContent>
@@ -35312,11 +35362,11 @@
   <p:clrMapOvr>
     <a:masterClrMapping/>
   </p:clrMapOvr>
-  <mc:AlternateContent xmlns:mc="http://schemas.openxmlformats.org/markup-compatibility/2006">
-    <mc:Choice xmlns:p14="http://schemas.microsoft.com/office/powerpoint/2010/main" Requires="p14">
+  <mc:AlternateContent xmlns:mc="http://schemas.openxmlformats.org/markup-compatibility/2006" xmlns:p14="http://schemas.microsoft.com/office/powerpoint/2010/main">
+    <mc:Choice Requires="p14">
       <p:transition spd="slow" p14:dur="2000" advTm="44477"/>
     </mc:Choice>
-    <mc:Fallback>
+    <mc:Fallback xmlns="">
       <p:transition spd="slow" advTm="44477"/>
     </mc:Fallback>
   </mc:AlternateContent>
@@ -35693,11 +35743,11 @@
   <p:clrMapOvr>
     <a:masterClrMapping/>
   </p:clrMapOvr>
-  <mc:AlternateContent xmlns:mc="http://schemas.openxmlformats.org/markup-compatibility/2006">
-    <mc:Choice xmlns:p14="http://schemas.microsoft.com/office/powerpoint/2010/main" Requires="p14">
+  <mc:AlternateContent xmlns:mc="http://schemas.openxmlformats.org/markup-compatibility/2006" xmlns:p14="http://schemas.microsoft.com/office/powerpoint/2010/main">
+    <mc:Choice Requires="p14">
       <p:transition spd="slow" p14:dur="2000" advTm="45684"/>
     </mc:Choice>
-    <mc:Fallback>
+    <mc:Fallback xmlns="">
       <p:transition spd="slow" advTm="45684"/>
     </mc:Fallback>
   </mc:AlternateContent>
@@ -35978,11 +36028,11 @@
   <p:clrMapOvr>
     <a:masterClrMapping/>
   </p:clrMapOvr>
-  <mc:AlternateContent xmlns:mc="http://schemas.openxmlformats.org/markup-compatibility/2006">
-    <mc:Choice xmlns:p14="http://schemas.microsoft.com/office/powerpoint/2010/main" Requires="p14">
+  <mc:AlternateContent xmlns:mc="http://schemas.openxmlformats.org/markup-compatibility/2006" xmlns:p14="http://schemas.microsoft.com/office/powerpoint/2010/main">
+    <mc:Choice Requires="p14">
       <p:transition spd="slow" p14:dur="2000" advTm="32740"/>
     </mc:Choice>
-    <mc:Fallback>
+    <mc:Fallback xmlns="">
       <p:transition spd="slow" advTm="32740"/>
     </mc:Fallback>
   </mc:AlternateContent>
@@ -36360,11 +36410,11 @@
   <p:clrMapOvr>
     <a:masterClrMapping/>
   </p:clrMapOvr>
-  <mc:AlternateContent xmlns:mc="http://schemas.openxmlformats.org/markup-compatibility/2006">
-    <mc:Choice xmlns:p14="http://schemas.microsoft.com/office/powerpoint/2010/main" Requires="p14">
+  <mc:AlternateContent xmlns:mc="http://schemas.openxmlformats.org/markup-compatibility/2006" xmlns:p14="http://schemas.microsoft.com/office/powerpoint/2010/main">
+    <mc:Choice Requires="p14">
       <p:transition spd="slow" p14:dur="2000" advTm="36993"/>
     </mc:Choice>
-    <mc:Fallback>
+    <mc:Fallback xmlns="">
       <p:transition spd="slow" advTm="36993"/>
     </mc:Fallback>
   </mc:AlternateContent>
@@ -36713,11 +36763,11 @@
   <p:clrMapOvr>
     <a:masterClrMapping/>
   </p:clrMapOvr>
-  <mc:AlternateContent xmlns:mc="http://schemas.openxmlformats.org/markup-compatibility/2006">
-    <mc:Choice xmlns:p14="http://schemas.microsoft.com/office/powerpoint/2010/main" Requires="p14">
+  <mc:AlternateContent xmlns:mc="http://schemas.openxmlformats.org/markup-compatibility/2006" xmlns:p14="http://schemas.microsoft.com/office/powerpoint/2010/main">
+    <mc:Choice Requires="p14">
       <p:transition spd="slow" p14:dur="2000" advTm="49846"/>
     </mc:Choice>
-    <mc:Fallback>
+    <mc:Fallback xmlns="">
       <p:transition spd="slow" advTm="49846"/>
     </mc:Fallback>
   </mc:AlternateContent>
@@ -37355,11 +37405,11 @@
   <p:clrMapOvr>
     <a:masterClrMapping/>
   </p:clrMapOvr>
-  <mc:AlternateContent xmlns:mc="http://schemas.openxmlformats.org/markup-compatibility/2006">
-    <mc:Choice xmlns:p14="http://schemas.microsoft.com/office/powerpoint/2010/main" Requires="p14">
+  <mc:AlternateContent xmlns:mc="http://schemas.openxmlformats.org/markup-compatibility/2006" xmlns:p14="http://schemas.microsoft.com/office/powerpoint/2010/main">
+    <mc:Choice Requires="p14">
       <p:transition spd="slow" p14:dur="2000" advTm="32351"/>
     </mc:Choice>
-    <mc:Fallback>
+    <mc:Fallback xmlns="">
       <p:transition spd="slow" advTm="32351"/>
     </mc:Fallback>
   </mc:AlternateContent>
